--- a/流程.pptx
+++ b/流程.pptx
@@ -3391,7 +3391,19 @@
               <a:rPr lang="zh-CN" altLang="en-US">
                 <a:sym typeface="+mn-ea"/>
               </a:rPr>
-              <a:t>：信息采集人员对自己的信息进行查询，修改</a:t>
+              <a:t>：</a:t>
+            </a:r>
+            <a:r>
+              <a:rPr lang="zh-CN" altLang="en-US">
+                <a:sym typeface="+mn-ea"/>
+              </a:rPr>
+              <a:t>案件处理人员</a:t>
+            </a:r>
+            <a:r>
+              <a:rPr lang="zh-CN" altLang="en-US">
+                <a:sym typeface="+mn-ea"/>
+              </a:rPr>
+              <a:t>对自己的信息进行查询，修改</a:t>
             </a:r>
             <a:endParaRPr lang="zh-CN" altLang="en-US">
               <a:sym typeface="+mn-ea"/>
@@ -6851,7 +6863,7 @@
 
 <file path=ppt/tags/tag84.xml><?xml version="1.0" encoding="utf-8"?>
 <p:tagLst xmlns:p="http://schemas.openxmlformats.org/presentationml/2006/main">
-  <p:tag name="commondata" val="eyJoZGlkIjoiZjVhNGJiMWVmZTg4ZjFhYWZhYWFiMzBkODkwYWRkZmUifQ=="/>
+  <p:tag name="commondata" val="eyJoZGlkIjoiMThmODk2ZTU2YjQzN2Y4ZDQwZGQ2YzM1M2M5ZDI0OGIifQ=="/>
 </p:tagLst>
 </file>
 
